--- a/JS Event.pptx
+++ b/JS Event.pptx
@@ -9,6 +9,12 @@
     <p:sldId id="257" r:id="rId3"/>
     <p:sldId id="258" r:id="rId4"/>
     <p:sldId id="259" r:id="rId5"/>
+    <p:sldId id="260" r:id="rId6"/>
+    <p:sldId id="261" r:id="rId7"/>
+    <p:sldId id="262" r:id="rId8"/>
+    <p:sldId id="263" r:id="rId9"/>
+    <p:sldId id="264" r:id="rId10"/>
+    <p:sldId id="265" r:id="rId11"/>
   </p:sldIdLst>
   <p:sldSz cx="12192000" cy="6858000"/>
   <p:notesSz cx="6858000" cy="9144000"/>
@@ -107,6 +113,11 @@
       </a:defRPr>
     </a:lvl9pPr>
   </p:defaultTextStyle>
+  <p:extLst>
+    <p:ext uri="{EFAFB233-063F-42B5-8137-9DF3F51BA10A}">
+      <p15:sldGuideLst xmlns:p15="http://schemas.microsoft.com/office/powerpoint/2012/main"/>
+    </p:ext>
+  </p:extLst>
 </p:presentation>
 </file>
 
@@ -257,7 +268,7 @@
           <a:p>
             <a:fld id="{FC874DC6-A0DA-44E3-B5F9-33B86DBC0913}" type="datetimeFigureOut">
               <a:rPr lang="ko-KR" altLang="en-US" smtClean="0"/>
-              <a:t>2021-09-01</a:t>
+              <a:t>2021-09-02</a:t>
             </a:fld>
             <a:endParaRPr lang="ko-KR" altLang="en-US"/>
           </a:p>
@@ -455,7 +466,7 @@
           <a:p>
             <a:fld id="{FC874DC6-A0DA-44E3-B5F9-33B86DBC0913}" type="datetimeFigureOut">
               <a:rPr lang="ko-KR" altLang="en-US" smtClean="0"/>
-              <a:t>2021-09-01</a:t>
+              <a:t>2021-09-02</a:t>
             </a:fld>
             <a:endParaRPr lang="ko-KR" altLang="en-US"/>
           </a:p>
@@ -663,7 +674,7 @@
           <a:p>
             <a:fld id="{FC874DC6-A0DA-44E3-B5F9-33B86DBC0913}" type="datetimeFigureOut">
               <a:rPr lang="ko-KR" altLang="en-US" smtClean="0"/>
-              <a:t>2021-09-01</a:t>
+              <a:t>2021-09-02</a:t>
             </a:fld>
             <a:endParaRPr lang="ko-KR" altLang="en-US"/>
           </a:p>
@@ -861,7 +872,7 @@
           <a:p>
             <a:fld id="{FC874DC6-A0DA-44E3-B5F9-33B86DBC0913}" type="datetimeFigureOut">
               <a:rPr lang="ko-KR" altLang="en-US" smtClean="0"/>
-              <a:t>2021-09-01</a:t>
+              <a:t>2021-09-02</a:t>
             </a:fld>
             <a:endParaRPr lang="ko-KR" altLang="en-US"/>
           </a:p>
@@ -1136,7 +1147,7 @@
           <a:p>
             <a:fld id="{FC874DC6-A0DA-44E3-B5F9-33B86DBC0913}" type="datetimeFigureOut">
               <a:rPr lang="ko-KR" altLang="en-US" smtClean="0"/>
-              <a:t>2021-09-01</a:t>
+              <a:t>2021-09-02</a:t>
             </a:fld>
             <a:endParaRPr lang="ko-KR" altLang="en-US"/>
           </a:p>
@@ -1401,7 +1412,7 @@
           <a:p>
             <a:fld id="{FC874DC6-A0DA-44E3-B5F9-33B86DBC0913}" type="datetimeFigureOut">
               <a:rPr lang="ko-KR" altLang="en-US" smtClean="0"/>
-              <a:t>2021-09-01</a:t>
+              <a:t>2021-09-02</a:t>
             </a:fld>
             <a:endParaRPr lang="ko-KR" altLang="en-US"/>
           </a:p>
@@ -1813,7 +1824,7 @@
           <a:p>
             <a:fld id="{FC874DC6-A0DA-44E3-B5F9-33B86DBC0913}" type="datetimeFigureOut">
               <a:rPr lang="ko-KR" altLang="en-US" smtClean="0"/>
-              <a:t>2021-09-01</a:t>
+              <a:t>2021-09-02</a:t>
             </a:fld>
             <a:endParaRPr lang="ko-KR" altLang="en-US"/>
           </a:p>
@@ -1954,7 +1965,7 @@
           <a:p>
             <a:fld id="{FC874DC6-A0DA-44E3-B5F9-33B86DBC0913}" type="datetimeFigureOut">
               <a:rPr lang="ko-KR" altLang="en-US" smtClean="0"/>
-              <a:t>2021-09-01</a:t>
+              <a:t>2021-09-02</a:t>
             </a:fld>
             <a:endParaRPr lang="ko-KR" altLang="en-US"/>
           </a:p>
@@ -2067,7 +2078,7 @@
           <a:p>
             <a:fld id="{FC874DC6-A0DA-44E3-B5F9-33B86DBC0913}" type="datetimeFigureOut">
               <a:rPr lang="ko-KR" altLang="en-US" smtClean="0"/>
-              <a:t>2021-09-01</a:t>
+              <a:t>2021-09-02</a:t>
             </a:fld>
             <a:endParaRPr lang="ko-KR" altLang="en-US"/>
           </a:p>
@@ -2378,7 +2389,7 @@
           <a:p>
             <a:fld id="{FC874DC6-A0DA-44E3-B5F9-33B86DBC0913}" type="datetimeFigureOut">
               <a:rPr lang="ko-KR" altLang="en-US" smtClean="0"/>
-              <a:t>2021-09-01</a:t>
+              <a:t>2021-09-02</a:t>
             </a:fld>
             <a:endParaRPr lang="ko-KR" altLang="en-US"/>
           </a:p>
@@ -2666,7 +2677,7 @@
           <a:p>
             <a:fld id="{FC874DC6-A0DA-44E3-B5F9-33B86DBC0913}" type="datetimeFigureOut">
               <a:rPr lang="ko-KR" altLang="en-US" smtClean="0"/>
-              <a:t>2021-09-01</a:t>
+              <a:t>2021-09-02</a:t>
             </a:fld>
             <a:endParaRPr lang="ko-KR" altLang="en-US"/>
           </a:p>
@@ -2907,7 +2918,7 @@
           <a:p>
             <a:fld id="{FC874DC6-A0DA-44E3-B5F9-33B86DBC0913}" type="datetimeFigureOut">
               <a:rPr lang="ko-KR" altLang="en-US" smtClean="0"/>
-              <a:t>2021-09-01</a:t>
+              <a:t>2021-09-02</a:t>
             </a:fld>
             <a:endParaRPr lang="ko-KR" altLang="en-US"/>
           </a:p>
@@ -3401,6 +3412,106 @@
 </p:sld>
 </file>
 
+<file path=ppt/slides/slide10.xml><?xml version="1.0" encoding="utf-8"?>
+<p:sld xmlns:a="http://schemas.openxmlformats.org/drawingml/2006/main" xmlns:r="http://schemas.openxmlformats.org/officeDocument/2006/relationships" xmlns:p="http://schemas.openxmlformats.org/presentationml/2006/main">
+  <p:cSld>
+    <p:spTree>
+      <p:nvGrpSpPr>
+        <p:cNvPr id="1" name=""/>
+        <p:cNvGrpSpPr/>
+        <p:nvPr/>
+      </p:nvGrpSpPr>
+      <p:grpSpPr>
+        <a:xfrm>
+          <a:off x="0" y="0"/>
+          <a:ext cx="0" cy="0"/>
+          <a:chOff x="0" y="0"/>
+          <a:chExt cx="0" cy="0"/>
+        </a:xfrm>
+      </p:grpSpPr>
+      <p:pic>
+        <p:nvPicPr>
+          <p:cNvPr id="5" name="그림 4">
+            <a:extLst>
+              <a:ext uri="{FF2B5EF4-FFF2-40B4-BE49-F238E27FC236}">
+                <a16:creationId xmlns:a16="http://schemas.microsoft.com/office/drawing/2014/main" id="{1714BC9F-9468-4858-86E6-D13DB2F5FDCE}"/>
+              </a:ext>
+            </a:extLst>
+          </p:cNvPr>
+          <p:cNvPicPr>
+            <a:picLocks noChangeAspect="1"/>
+          </p:cNvPicPr>
+          <p:nvPr/>
+        </p:nvPicPr>
+        <p:blipFill>
+          <a:blip r:embed="rId2"/>
+          <a:stretch>
+            <a:fillRect/>
+          </a:stretch>
+        </p:blipFill>
+        <p:spPr>
+          <a:xfrm>
+            <a:off x="232286" y="286210"/>
+            <a:ext cx="6793009" cy="3066590"/>
+          </a:xfrm>
+          <a:prstGeom prst="rect">
+            <a:avLst/>
+          </a:prstGeom>
+          <a:ln>
+            <a:solidFill>
+              <a:schemeClr val="accent1"/>
+            </a:solidFill>
+          </a:ln>
+        </p:spPr>
+      </p:pic>
+      <p:pic>
+        <p:nvPicPr>
+          <p:cNvPr id="7" name="그림 6">
+            <a:extLst>
+              <a:ext uri="{FF2B5EF4-FFF2-40B4-BE49-F238E27FC236}">
+                <a16:creationId xmlns:a16="http://schemas.microsoft.com/office/drawing/2014/main" id="{2375CE84-E77C-4245-8FA7-677F1B3AA18D}"/>
+              </a:ext>
+            </a:extLst>
+          </p:cNvPr>
+          <p:cNvPicPr>
+            <a:picLocks noChangeAspect="1"/>
+          </p:cNvPicPr>
+          <p:nvPr/>
+        </p:nvPicPr>
+        <p:blipFill>
+          <a:blip r:embed="rId3"/>
+          <a:stretch>
+            <a:fillRect/>
+          </a:stretch>
+        </p:blipFill>
+        <p:spPr>
+          <a:xfrm>
+            <a:off x="4542503" y="3033655"/>
+            <a:ext cx="7302141" cy="3377744"/>
+          </a:xfrm>
+          <a:prstGeom prst="rect">
+            <a:avLst/>
+          </a:prstGeom>
+          <a:ln>
+            <a:solidFill>
+              <a:schemeClr val="accent1"/>
+            </a:solidFill>
+          </a:ln>
+        </p:spPr>
+      </p:pic>
+    </p:spTree>
+    <p:extLst>
+      <p:ext uri="{BB962C8B-B14F-4D97-AF65-F5344CB8AC3E}">
+        <p14:creationId xmlns:p14="http://schemas.microsoft.com/office/powerpoint/2010/main" val="446079807"/>
+      </p:ext>
+    </p:extLst>
+  </p:cSld>
+  <p:clrMapOvr>
+    <a:masterClrMapping/>
+  </p:clrMapOvr>
+</p:sld>
+</file>
+
 <file path=ppt/slides/slide2.xml><?xml version="1.0" encoding="utf-8"?>
 <p:sld xmlns:a="http://schemas.openxmlformats.org/drawingml/2006/main" xmlns:r="http://schemas.openxmlformats.org/officeDocument/2006/relationships" xmlns:p="http://schemas.openxmlformats.org/presentationml/2006/main">
   <p:cSld>
@@ -3480,7 +3591,19 @@
             </a:r>
             <a:r>
               <a:rPr lang="ko-KR" altLang="en-US" dirty="0"/>
-              <a:t>모든 시점을 컨트롤한다</a:t>
+              <a:t>모든 </a:t>
+            </a:r>
+            <a:r>
+              <a:rPr lang="ko-KR" altLang="en-US" b="1" dirty="0">
+                <a:solidFill>
+                  <a:srgbClr val="FF0000"/>
+                </a:solidFill>
+              </a:rPr>
+              <a:t>시점</a:t>
+            </a:r>
+            <a:r>
+              <a:rPr lang="ko-KR" altLang="en-US" dirty="0"/>
+              <a:t>을 컨트롤한다</a:t>
             </a:r>
             <a:r>
               <a:rPr lang="en-US" altLang="ko-KR" dirty="0"/>
@@ -3618,10 +3741,9 @@
               <a:t>작성해보자</a:t>
             </a:r>
             <a:r>
-              <a:rPr lang="en-US" altLang="ko-KR"/>
+              <a:rPr lang="en-US" altLang="ko-KR" dirty="0"/>
               <a:t>.</a:t>
             </a:r>
-            <a:endParaRPr lang="en-US" altLang="ko-KR" dirty="0"/>
           </a:p>
           <a:p>
             <a:pPr marL="0" indent="0">
@@ -3673,56 +3795,36 @@
           <a:chExt cx="0" cy="0"/>
         </a:xfrm>
       </p:grpSpPr>
-      <p:sp>
-        <p:nvSpPr>
-          <p:cNvPr id="2" name="제목 1">
-            <a:extLst>
-              <a:ext uri="{FF2B5EF4-FFF2-40B4-BE49-F238E27FC236}">
-                <a16:creationId xmlns:a16="http://schemas.microsoft.com/office/drawing/2014/main" id="{4FBCCC58-28C5-41F3-A695-BA4E3513821F}"/>
-              </a:ext>
-            </a:extLst>
-          </p:cNvPr>
-          <p:cNvSpPr>
-            <a:spLocks noGrp="1"/>
-          </p:cNvSpPr>
-          <p:nvPr>
-            <p:ph type="title"/>
-          </p:nvPr>
-        </p:nvSpPr>
-        <p:spPr/>
-        <p:txBody>
-          <a:bodyPr/>
-          <a:lstStyle/>
-          <a:p>
-            <a:endParaRPr lang="ko-KR" altLang="en-US"/>
-          </a:p>
-        </p:txBody>
-      </p:sp>
-      <p:sp>
-        <p:nvSpPr>
-          <p:cNvPr id="3" name="내용 개체 틀 2">
-            <a:extLst>
-              <a:ext uri="{FF2B5EF4-FFF2-40B4-BE49-F238E27FC236}">
-                <a16:creationId xmlns:a16="http://schemas.microsoft.com/office/drawing/2014/main" id="{5FF5FAD4-A6A9-49DD-B3B4-DA8EBF51B07B}"/>
-              </a:ext>
-            </a:extLst>
-          </p:cNvPr>
-          <p:cNvSpPr>
-            <a:spLocks noGrp="1"/>
-          </p:cNvSpPr>
-          <p:nvPr>
-            <p:ph idx="1"/>
-          </p:nvPr>
-        </p:nvSpPr>
-        <p:spPr/>
-        <p:txBody>
-          <a:bodyPr/>
-          <a:lstStyle/>
-          <a:p>
-            <a:endParaRPr lang="ko-KR" altLang="en-US"/>
-          </a:p>
-        </p:txBody>
-      </p:sp>
+      <p:pic>
+        <p:nvPicPr>
+          <p:cNvPr id="7" name="그림 6">
+            <a:extLst>
+              <a:ext uri="{FF2B5EF4-FFF2-40B4-BE49-F238E27FC236}">
+                <a16:creationId xmlns:a16="http://schemas.microsoft.com/office/drawing/2014/main" id="{5A7CF2D7-EB5F-4560-806E-E8645F107D74}"/>
+              </a:ext>
+            </a:extLst>
+          </p:cNvPr>
+          <p:cNvPicPr>
+            <a:picLocks noChangeAspect="1"/>
+          </p:cNvPicPr>
+          <p:nvPr/>
+        </p:nvPicPr>
+        <p:blipFill>
+          <a:blip r:embed="rId2"/>
+          <a:stretch>
+            <a:fillRect/>
+          </a:stretch>
+        </p:blipFill>
+        <p:spPr>
+          <a:xfrm>
+            <a:off x="925927" y="616204"/>
+            <a:ext cx="10340146" cy="5400000"/>
+          </a:xfrm>
+          <a:prstGeom prst="rect">
+            <a:avLst/>
+          </a:prstGeom>
+        </p:spPr>
+      </p:pic>
     </p:spTree>
     <p:extLst>
       <p:ext uri="{BB962C8B-B14F-4D97-AF65-F5344CB8AC3E}">
@@ -3753,60 +3855,385 @@
           <a:chExt cx="0" cy="0"/>
         </a:xfrm>
       </p:grpSpPr>
-      <p:sp>
-        <p:nvSpPr>
-          <p:cNvPr id="2" name="제목 1">
-            <a:extLst>
-              <a:ext uri="{FF2B5EF4-FFF2-40B4-BE49-F238E27FC236}">
-                <a16:creationId xmlns:a16="http://schemas.microsoft.com/office/drawing/2014/main" id="{AA0059D0-FEC8-4DC0-8D95-3F0F9F2C96F3}"/>
-              </a:ext>
-            </a:extLst>
-          </p:cNvPr>
-          <p:cNvSpPr>
-            <a:spLocks noGrp="1"/>
-          </p:cNvSpPr>
-          <p:nvPr>
-            <p:ph type="title"/>
-          </p:nvPr>
-        </p:nvSpPr>
-        <p:spPr/>
-        <p:txBody>
-          <a:bodyPr/>
-          <a:lstStyle/>
-          <a:p>
-            <a:endParaRPr lang="ko-KR" altLang="en-US"/>
-          </a:p>
-        </p:txBody>
-      </p:sp>
-      <p:sp>
-        <p:nvSpPr>
-          <p:cNvPr id="3" name="내용 개체 틀 2">
-            <a:extLst>
-              <a:ext uri="{FF2B5EF4-FFF2-40B4-BE49-F238E27FC236}">
-                <a16:creationId xmlns:a16="http://schemas.microsoft.com/office/drawing/2014/main" id="{28E28978-4F8E-4F99-AC20-88C5B28D7971}"/>
-              </a:ext>
-            </a:extLst>
-          </p:cNvPr>
-          <p:cNvSpPr>
-            <a:spLocks noGrp="1"/>
-          </p:cNvSpPr>
-          <p:nvPr>
-            <p:ph idx="1"/>
-          </p:nvPr>
-        </p:nvSpPr>
-        <p:spPr/>
-        <p:txBody>
-          <a:bodyPr/>
-          <a:lstStyle/>
-          <a:p>
-            <a:endParaRPr lang="ko-KR" altLang="en-US"/>
-          </a:p>
-        </p:txBody>
-      </p:sp>
+      <p:pic>
+        <p:nvPicPr>
+          <p:cNvPr id="5" name="그림 4">
+            <a:extLst>
+              <a:ext uri="{FF2B5EF4-FFF2-40B4-BE49-F238E27FC236}">
+                <a16:creationId xmlns:a16="http://schemas.microsoft.com/office/drawing/2014/main" id="{0CDECD68-C36F-4672-BA93-8228D2170EE0}"/>
+              </a:ext>
+            </a:extLst>
+          </p:cNvPr>
+          <p:cNvPicPr>
+            <a:picLocks noChangeAspect="1"/>
+          </p:cNvPicPr>
+          <p:nvPr/>
+        </p:nvPicPr>
+        <p:blipFill>
+          <a:blip r:embed="rId2"/>
+          <a:stretch>
+            <a:fillRect/>
+          </a:stretch>
+        </p:blipFill>
+        <p:spPr>
+          <a:xfrm>
+            <a:off x="2607235" y="0"/>
+            <a:ext cx="6977529" cy="6858000"/>
+          </a:xfrm>
+          <a:prstGeom prst="rect">
+            <a:avLst/>
+          </a:prstGeom>
+        </p:spPr>
+      </p:pic>
     </p:spTree>
     <p:extLst>
       <p:ext uri="{BB962C8B-B14F-4D97-AF65-F5344CB8AC3E}">
         <p14:creationId xmlns:p14="http://schemas.microsoft.com/office/powerpoint/2010/main" val="1009464112"/>
+      </p:ext>
+    </p:extLst>
+  </p:cSld>
+  <p:clrMapOvr>
+    <a:masterClrMapping/>
+  </p:clrMapOvr>
+</p:sld>
+</file>
+
+<file path=ppt/slides/slide5.xml><?xml version="1.0" encoding="utf-8"?>
+<p:sld xmlns:a="http://schemas.openxmlformats.org/drawingml/2006/main" xmlns:r="http://schemas.openxmlformats.org/officeDocument/2006/relationships" xmlns:p="http://schemas.openxmlformats.org/presentationml/2006/main">
+  <p:cSld>
+    <p:spTree>
+      <p:nvGrpSpPr>
+        <p:cNvPr id="1" name=""/>
+        <p:cNvGrpSpPr/>
+        <p:nvPr/>
+      </p:nvGrpSpPr>
+      <p:grpSpPr>
+        <a:xfrm>
+          <a:off x="0" y="0"/>
+          <a:ext cx="0" cy="0"/>
+          <a:chOff x="0" y="0"/>
+          <a:chExt cx="0" cy="0"/>
+        </a:xfrm>
+      </p:grpSpPr>
+      <p:pic>
+        <p:nvPicPr>
+          <p:cNvPr id="7" name="그림 6">
+            <a:extLst>
+              <a:ext uri="{FF2B5EF4-FFF2-40B4-BE49-F238E27FC236}">
+                <a16:creationId xmlns:a16="http://schemas.microsoft.com/office/drawing/2014/main" id="{0A06A4DA-3022-45A2-B294-C196170051EC}"/>
+              </a:ext>
+            </a:extLst>
+          </p:cNvPr>
+          <p:cNvPicPr>
+            <a:picLocks noChangeAspect="1"/>
+          </p:cNvPicPr>
+          <p:nvPr/>
+        </p:nvPicPr>
+        <p:blipFill>
+          <a:blip r:embed="rId2"/>
+          <a:stretch>
+            <a:fillRect/>
+          </a:stretch>
+        </p:blipFill>
+        <p:spPr>
+          <a:xfrm>
+            <a:off x="884372" y="1269000"/>
+            <a:ext cx="10423256" cy="4320000"/>
+          </a:xfrm>
+          <a:prstGeom prst="rect">
+            <a:avLst/>
+          </a:prstGeom>
+        </p:spPr>
+      </p:pic>
+    </p:spTree>
+    <p:extLst>
+      <p:ext uri="{BB962C8B-B14F-4D97-AF65-F5344CB8AC3E}">
+        <p14:creationId xmlns:p14="http://schemas.microsoft.com/office/powerpoint/2010/main" val="3602887414"/>
+      </p:ext>
+    </p:extLst>
+  </p:cSld>
+  <p:clrMapOvr>
+    <a:masterClrMapping/>
+  </p:clrMapOvr>
+</p:sld>
+</file>
+
+<file path=ppt/slides/slide6.xml><?xml version="1.0" encoding="utf-8"?>
+<p:sld xmlns:a="http://schemas.openxmlformats.org/drawingml/2006/main" xmlns:r="http://schemas.openxmlformats.org/officeDocument/2006/relationships" xmlns:p="http://schemas.openxmlformats.org/presentationml/2006/main">
+  <p:cSld>
+    <p:spTree>
+      <p:nvGrpSpPr>
+        <p:cNvPr id="1" name=""/>
+        <p:cNvGrpSpPr/>
+        <p:nvPr/>
+      </p:nvGrpSpPr>
+      <p:grpSpPr>
+        <a:xfrm>
+          <a:off x="0" y="0"/>
+          <a:ext cx="0" cy="0"/>
+          <a:chOff x="0" y="0"/>
+          <a:chExt cx="0" cy="0"/>
+        </a:xfrm>
+      </p:grpSpPr>
+      <p:pic>
+        <p:nvPicPr>
+          <p:cNvPr id="5" name="그림 4">
+            <a:extLst>
+              <a:ext uri="{FF2B5EF4-FFF2-40B4-BE49-F238E27FC236}">
+                <a16:creationId xmlns:a16="http://schemas.microsoft.com/office/drawing/2014/main" id="{A3FAC3D9-99E4-4892-BBE9-842AEE6E60C2}"/>
+              </a:ext>
+            </a:extLst>
+          </p:cNvPr>
+          <p:cNvPicPr>
+            <a:picLocks noChangeAspect="1"/>
+          </p:cNvPicPr>
+          <p:nvPr/>
+        </p:nvPicPr>
+        <p:blipFill>
+          <a:blip r:embed="rId2"/>
+          <a:stretch>
+            <a:fillRect/>
+          </a:stretch>
+        </p:blipFill>
+        <p:spPr>
+          <a:xfrm>
+            <a:off x="104159" y="649568"/>
+            <a:ext cx="11833754" cy="5400000"/>
+          </a:xfrm>
+          <a:prstGeom prst="rect">
+            <a:avLst/>
+          </a:prstGeom>
+        </p:spPr>
+      </p:pic>
+    </p:spTree>
+    <p:extLst>
+      <p:ext uri="{BB962C8B-B14F-4D97-AF65-F5344CB8AC3E}">
+        <p14:creationId xmlns:p14="http://schemas.microsoft.com/office/powerpoint/2010/main" val="2837511707"/>
+      </p:ext>
+    </p:extLst>
+  </p:cSld>
+  <p:clrMapOvr>
+    <a:masterClrMapping/>
+  </p:clrMapOvr>
+</p:sld>
+</file>
+
+<file path=ppt/slides/slide7.xml><?xml version="1.0" encoding="utf-8"?>
+<p:sld xmlns:a="http://schemas.openxmlformats.org/drawingml/2006/main" xmlns:r="http://schemas.openxmlformats.org/officeDocument/2006/relationships" xmlns:p="http://schemas.openxmlformats.org/presentationml/2006/main">
+  <p:cSld>
+    <p:spTree>
+      <p:nvGrpSpPr>
+        <p:cNvPr id="1" name=""/>
+        <p:cNvGrpSpPr/>
+        <p:nvPr/>
+      </p:nvGrpSpPr>
+      <p:grpSpPr>
+        <a:xfrm>
+          <a:off x="0" y="0"/>
+          <a:ext cx="0" cy="0"/>
+          <a:chOff x="0" y="0"/>
+          <a:chExt cx="0" cy="0"/>
+        </a:xfrm>
+      </p:grpSpPr>
+      <p:pic>
+        <p:nvPicPr>
+          <p:cNvPr id="5" name="그림 4">
+            <a:extLst>
+              <a:ext uri="{FF2B5EF4-FFF2-40B4-BE49-F238E27FC236}">
+                <a16:creationId xmlns:a16="http://schemas.microsoft.com/office/drawing/2014/main" id="{A3769445-D9CD-417A-8731-F1233A62D12E}"/>
+              </a:ext>
+            </a:extLst>
+          </p:cNvPr>
+          <p:cNvPicPr>
+            <a:picLocks noChangeAspect="1"/>
+          </p:cNvPicPr>
+          <p:nvPr/>
+        </p:nvPicPr>
+        <p:blipFill>
+          <a:blip r:embed="rId2"/>
+          <a:stretch>
+            <a:fillRect/>
+          </a:stretch>
+        </p:blipFill>
+        <p:spPr>
+          <a:xfrm>
+            <a:off x="842808" y="729000"/>
+            <a:ext cx="10506383" cy="5400000"/>
+          </a:xfrm>
+          <a:prstGeom prst="rect">
+            <a:avLst/>
+          </a:prstGeom>
+        </p:spPr>
+      </p:pic>
+    </p:spTree>
+    <p:extLst>
+      <p:ext uri="{BB962C8B-B14F-4D97-AF65-F5344CB8AC3E}">
+        <p14:creationId xmlns:p14="http://schemas.microsoft.com/office/powerpoint/2010/main" val="2850552902"/>
+      </p:ext>
+    </p:extLst>
+  </p:cSld>
+  <p:clrMapOvr>
+    <a:masterClrMapping/>
+  </p:clrMapOvr>
+</p:sld>
+</file>
+
+<file path=ppt/slides/slide8.xml><?xml version="1.0" encoding="utf-8"?>
+<p:sld xmlns:a="http://schemas.openxmlformats.org/drawingml/2006/main" xmlns:r="http://schemas.openxmlformats.org/officeDocument/2006/relationships" xmlns:p="http://schemas.openxmlformats.org/presentationml/2006/main">
+  <p:cSld>
+    <p:spTree>
+      <p:nvGrpSpPr>
+        <p:cNvPr id="1" name=""/>
+        <p:cNvGrpSpPr/>
+        <p:nvPr/>
+      </p:nvGrpSpPr>
+      <p:grpSpPr>
+        <a:xfrm>
+          <a:off x="0" y="0"/>
+          <a:ext cx="0" cy="0"/>
+          <a:chOff x="0" y="0"/>
+          <a:chExt cx="0" cy="0"/>
+        </a:xfrm>
+      </p:grpSpPr>
+      <p:pic>
+        <p:nvPicPr>
+          <p:cNvPr id="5" name="그림 4">
+            <a:extLst>
+              <a:ext uri="{FF2B5EF4-FFF2-40B4-BE49-F238E27FC236}">
+                <a16:creationId xmlns:a16="http://schemas.microsoft.com/office/drawing/2014/main" id="{1557DBD5-A889-437C-8D01-BA9A4BD9BE6A}"/>
+              </a:ext>
+            </a:extLst>
+          </p:cNvPr>
+          <p:cNvPicPr>
+            <a:picLocks noChangeAspect="1"/>
+          </p:cNvPicPr>
+          <p:nvPr/>
+        </p:nvPicPr>
+        <p:blipFill>
+          <a:blip r:embed="rId2"/>
+          <a:stretch>
+            <a:fillRect/>
+          </a:stretch>
+        </p:blipFill>
+        <p:spPr>
+          <a:xfrm>
+            <a:off x="0" y="2039505"/>
+            <a:ext cx="12192000" cy="2778990"/>
+          </a:xfrm>
+          <a:prstGeom prst="rect">
+            <a:avLst/>
+          </a:prstGeom>
+          <a:ln>
+            <a:solidFill>
+              <a:schemeClr val="accent1"/>
+            </a:solidFill>
+          </a:ln>
+        </p:spPr>
+      </p:pic>
+    </p:spTree>
+    <p:extLst>
+      <p:ext uri="{BB962C8B-B14F-4D97-AF65-F5344CB8AC3E}">
+        <p14:creationId xmlns:p14="http://schemas.microsoft.com/office/powerpoint/2010/main" val="1638940997"/>
+      </p:ext>
+    </p:extLst>
+  </p:cSld>
+  <p:clrMapOvr>
+    <a:masterClrMapping/>
+  </p:clrMapOvr>
+</p:sld>
+</file>
+
+<file path=ppt/slides/slide9.xml><?xml version="1.0" encoding="utf-8"?>
+<p:sld xmlns:a="http://schemas.openxmlformats.org/drawingml/2006/main" xmlns:r="http://schemas.openxmlformats.org/officeDocument/2006/relationships" xmlns:p="http://schemas.openxmlformats.org/presentationml/2006/main">
+  <p:cSld>
+    <p:spTree>
+      <p:nvGrpSpPr>
+        <p:cNvPr id="1" name=""/>
+        <p:cNvGrpSpPr/>
+        <p:nvPr/>
+      </p:nvGrpSpPr>
+      <p:grpSpPr>
+        <a:xfrm>
+          <a:off x="0" y="0"/>
+          <a:ext cx="0" cy="0"/>
+          <a:chOff x="0" y="0"/>
+          <a:chExt cx="0" cy="0"/>
+        </a:xfrm>
+      </p:grpSpPr>
+      <p:pic>
+        <p:nvPicPr>
+          <p:cNvPr id="5" name="그림 4">
+            <a:extLst>
+              <a:ext uri="{FF2B5EF4-FFF2-40B4-BE49-F238E27FC236}">
+                <a16:creationId xmlns:a16="http://schemas.microsoft.com/office/drawing/2014/main" id="{4BACCD20-4390-4CD0-A14D-F4C023D7E8DE}"/>
+              </a:ext>
+            </a:extLst>
+          </p:cNvPr>
+          <p:cNvPicPr>
+            <a:picLocks noChangeAspect="1"/>
+          </p:cNvPicPr>
+          <p:nvPr/>
+        </p:nvPicPr>
+        <p:blipFill>
+          <a:blip r:embed="rId2"/>
+          <a:stretch>
+            <a:fillRect/>
+          </a:stretch>
+        </p:blipFill>
+        <p:spPr>
+          <a:xfrm>
+            <a:off x="216310" y="196645"/>
+            <a:ext cx="7855821" cy="3654309"/>
+          </a:xfrm>
+          <a:prstGeom prst="rect">
+            <a:avLst/>
+          </a:prstGeom>
+          <a:ln>
+            <a:solidFill>
+              <a:schemeClr val="accent1"/>
+            </a:solidFill>
+          </a:ln>
+        </p:spPr>
+      </p:pic>
+      <p:pic>
+        <p:nvPicPr>
+          <p:cNvPr id="7" name="그림 6">
+            <a:extLst>
+              <a:ext uri="{FF2B5EF4-FFF2-40B4-BE49-F238E27FC236}">
+                <a16:creationId xmlns:a16="http://schemas.microsoft.com/office/drawing/2014/main" id="{0E1C94C3-2179-4752-A28E-1DEDAB6CD4F3}"/>
+              </a:ext>
+            </a:extLst>
+          </p:cNvPr>
+          <p:cNvPicPr>
+            <a:picLocks noChangeAspect="1"/>
+          </p:cNvPicPr>
+          <p:nvPr/>
+        </p:nvPicPr>
+        <p:blipFill>
+          <a:blip r:embed="rId3"/>
+          <a:stretch>
+            <a:fillRect/>
+          </a:stretch>
+        </p:blipFill>
+        <p:spPr>
+          <a:xfrm>
+            <a:off x="4876799" y="3185726"/>
+            <a:ext cx="7172325" cy="3282056"/>
+          </a:xfrm>
+          <a:prstGeom prst="rect">
+            <a:avLst/>
+          </a:prstGeom>
+          <a:ln>
+            <a:solidFill>
+              <a:schemeClr val="accent1"/>
+            </a:solidFill>
+          </a:ln>
+        </p:spPr>
+      </p:pic>
+    </p:spTree>
+    <p:extLst>
+      <p:ext uri="{BB962C8B-B14F-4D97-AF65-F5344CB8AC3E}">
+        <p14:creationId xmlns:p14="http://schemas.microsoft.com/office/powerpoint/2010/main" val="2575528804"/>
       </p:ext>
     </p:extLst>
   </p:cSld>
